--- a/Presentations/SecondPresentation.pptx
+++ b/Presentations/SecondPresentation.pptx
@@ -5,14 +5,15 @@
     <p:sldMasterId id="2147483648" r:id="rId1"/>
   </p:sldMasterIdLst>
   <p:notesMasterIdLst>
-    <p:notesMasterId r:id="rId7"/>
+    <p:notesMasterId r:id="rId8"/>
   </p:notesMasterIdLst>
   <p:sldIdLst>
     <p:sldId id="259" r:id="rId2"/>
     <p:sldId id="260" r:id="rId3"/>
     <p:sldId id="261" r:id="rId4"/>
     <p:sldId id="262" r:id="rId5"/>
-    <p:sldId id="263" r:id="rId6"/>
+    <p:sldId id="264" r:id="rId6"/>
+    <p:sldId id="263" r:id="rId7"/>
   </p:sldIdLst>
   <p:sldSz cx="9144000" cy="5143500" type="screen16x9"/>
   <p:notesSz cx="6858000" cy="9144000"/>
@@ -226,7 +227,7 @@
           <a:p>
             <a:fld id="{3D100699-F170-47EF-8601-8ACFF448602A}" type="datetimeFigureOut">
               <a:rPr lang="de-DE" smtClean="0"/>
-              <a:t>26.11.2018</a:t>
+              <a:t>27.11.2018</a:t>
             </a:fld>
             <a:endParaRPr lang="de-DE"/>
           </a:p>
@@ -2788,6 +2789,42 @@
           </a:p>
         </p:txBody>
       </p:sp>
+      <p:pic>
+        <p:nvPicPr>
+          <p:cNvPr id="5" name="Grafik 4">
+            <a:extLst>
+              <a:ext uri="{FF2B5EF4-FFF2-40B4-BE49-F238E27FC236}">
+                <a16:creationId xmlns:a16="http://schemas.microsoft.com/office/drawing/2014/main" id="{731C10CC-053C-42D5-9921-37698A9219D0}"/>
+              </a:ext>
+            </a:extLst>
+          </p:cNvPr>
+          <p:cNvPicPr>
+            <a:picLocks noChangeAspect="1"/>
+          </p:cNvPicPr>
+          <p:nvPr/>
+        </p:nvPicPr>
+        <p:blipFill>
+          <a:blip r:embed="rId2">
+            <a:extLst>
+              <a:ext uri="{28A0092B-C50C-407E-A947-70E740481C1C}">
+                <a14:useLocalDpi xmlns:a14="http://schemas.microsoft.com/office/drawing/2010/main" val="0"/>
+              </a:ext>
+            </a:extLst>
+          </a:blip>
+          <a:stretch>
+            <a:fillRect/>
+          </a:stretch>
+        </p:blipFill>
+        <p:spPr>
+          <a:xfrm>
+            <a:off x="3275856" y="2058342"/>
+            <a:ext cx="5300095" cy="2887926"/>
+          </a:xfrm>
+          <a:prstGeom prst="rect">
+            <a:avLst/>
+          </a:prstGeom>
+        </p:spPr>
+      </p:pic>
     </p:spTree>
     <p:extLst>
       <p:ext uri="{BB962C8B-B14F-4D97-AF65-F5344CB8AC3E}">
@@ -2818,44 +2855,66 @@
           <a:chExt cx="0" cy="0"/>
         </a:xfrm>
       </p:grpSpPr>
-      <p:sp>
-        <p:nvSpPr>
-          <p:cNvPr id="2" name="Inhaltsplatzhalter 1">
+      <p:pic>
+        <p:nvPicPr>
+          <p:cNvPr id="12" name="Grafik 11">
             <a:extLst>
               <a:ext uri="{FF2B5EF4-FFF2-40B4-BE49-F238E27FC236}">
-                <a16:creationId xmlns:a16="http://schemas.microsoft.com/office/drawing/2014/main" id="{0A3441CE-C5E6-473D-AE0F-A91A1E00D373}"/>
+                <a16:creationId xmlns:a16="http://schemas.microsoft.com/office/drawing/2014/main" id="{693D506F-E211-47D7-B99A-C5D4D6B2707C}"/>
               </a:ext>
             </a:extLst>
           </p:cNvPr>
-          <p:cNvSpPr>
-            <a:spLocks noGrp="1"/>
-          </p:cNvSpPr>
-          <p:nvPr>
-            <p:ph idx="1"/>
-          </p:nvPr>
-        </p:nvSpPr>
+          <p:cNvPicPr>
+            <a:picLocks noChangeAspect="1"/>
+          </p:cNvPicPr>
+          <p:nvPr/>
+        </p:nvPicPr>
+        <p:blipFill>
+          <a:blip r:embed="rId2"/>
+          <a:stretch>
+            <a:fillRect/>
+          </a:stretch>
+        </p:blipFill>
         <p:spPr>
           <a:xfrm>
-            <a:off x="251520" y="1202574"/>
-            <a:ext cx="4320480" cy="3400026"/>
+            <a:off x="5220072" y="450941"/>
+            <a:ext cx="2497014" cy="4495328"/>
           </a:xfrm>
+          <a:prstGeom prst="rect">
+            <a:avLst/>
+          </a:prstGeom>
         </p:spPr>
-        <p:txBody>
-          <a:bodyPr/>
-          <a:lstStyle/>
-          <a:p>
-            <a:r>
-              <a:rPr lang="de-DE" dirty="0"/>
-              <a:t>Screenshot </a:t>
-            </a:r>
-            <a:r>
-              <a:rPr lang="de-DE" dirty="0" err="1"/>
-              <a:t>LoginView</a:t>
-            </a:r>
-            <a:endParaRPr lang="de-DE" dirty="0"/>
-          </a:p>
-        </p:txBody>
-      </p:sp>
+      </p:pic>
+      <p:pic>
+        <p:nvPicPr>
+          <p:cNvPr id="11" name="Grafik 10">
+            <a:extLst>
+              <a:ext uri="{FF2B5EF4-FFF2-40B4-BE49-F238E27FC236}">
+                <a16:creationId xmlns:a16="http://schemas.microsoft.com/office/drawing/2014/main" id="{B871771C-9046-441F-8DB0-39DC84367AB5}"/>
+              </a:ext>
+            </a:extLst>
+          </p:cNvPr>
+          <p:cNvPicPr>
+            <a:picLocks noChangeAspect="1"/>
+          </p:cNvPicPr>
+          <p:nvPr/>
+        </p:nvPicPr>
+        <p:blipFill>
+          <a:blip r:embed="rId3"/>
+          <a:stretch>
+            <a:fillRect/>
+          </a:stretch>
+        </p:blipFill>
+        <p:spPr>
+          <a:xfrm>
+            <a:off x="1724830" y="450941"/>
+            <a:ext cx="2497014" cy="4495327"/>
+          </a:xfrm>
+          <a:prstGeom prst="rect">
+            <a:avLst/>
+          </a:prstGeom>
+        </p:spPr>
+      </p:pic>
       <p:sp>
         <p:nvSpPr>
           <p:cNvPr id="3" name="Foliennummernplatzhalter 2">
@@ -2918,12 +2977,412 @@
           </a:p>
         </p:txBody>
       </p:sp>
+    </p:spTree>
+    <p:extLst>
+      <p:ext uri="{BB962C8B-B14F-4D97-AF65-F5344CB8AC3E}">
+        <p14:creationId xmlns:p14="http://schemas.microsoft.com/office/powerpoint/2010/main" val="2822122713"/>
+      </p:ext>
+    </p:extLst>
+  </p:cSld>
+  <p:clrMapOvr>
+    <a:masterClrMapping/>
+  </p:clrMapOvr>
+</p:sld>
+</file>
+
+<file path=ppt/slides/slide4.xml><?xml version="1.0" encoding="utf-8"?>
+<p:sld xmlns:a="http://schemas.openxmlformats.org/drawingml/2006/main" xmlns:r="http://schemas.openxmlformats.org/officeDocument/2006/relationships" xmlns:p="http://schemas.openxmlformats.org/presentationml/2006/main">
+  <p:cSld>
+    <p:spTree>
+      <p:nvGrpSpPr>
+        <p:cNvPr id="1" name=""/>
+        <p:cNvGrpSpPr/>
+        <p:nvPr/>
+      </p:nvGrpSpPr>
+      <p:grpSpPr>
+        <a:xfrm>
+          <a:off x="0" y="0"/>
+          <a:ext cx="0" cy="0"/>
+          <a:chOff x="0" y="0"/>
+          <a:chExt cx="0" cy="0"/>
+        </a:xfrm>
+      </p:grpSpPr>
+      <p:sp>
+        <p:nvSpPr>
+          <p:cNvPr id="2" name="Inhaltsplatzhalter 1">
+            <a:extLst>
+              <a:ext uri="{FF2B5EF4-FFF2-40B4-BE49-F238E27FC236}">
+                <a16:creationId xmlns:a16="http://schemas.microsoft.com/office/drawing/2014/main" id="{910FE5BE-290F-4812-BEC3-553F1E2B64E5}"/>
+              </a:ext>
+            </a:extLst>
+          </p:cNvPr>
+          <p:cNvSpPr>
+            <a:spLocks noGrp="1"/>
+          </p:cNvSpPr>
+          <p:nvPr>
+            <p:ph idx="1"/>
+          </p:nvPr>
+        </p:nvSpPr>
+        <p:spPr>
+          <a:xfrm>
+            <a:off x="611560" y="1189023"/>
+            <a:ext cx="8640960" cy="3400026"/>
+          </a:xfrm>
+        </p:spPr>
+        <p:txBody>
+          <a:bodyPr/>
+          <a:lstStyle/>
+          <a:p>
+            <a:r>
+              <a:rPr lang="de-DE" dirty="0" err="1"/>
+              <a:t>userID</a:t>
+            </a:r>
+            <a:endParaRPr lang="de-DE" dirty="0"/>
+          </a:p>
+          <a:p>
+            <a:r>
+              <a:rPr lang="de-DE" dirty="0" err="1"/>
+              <a:t>timestamp</a:t>
+            </a:r>
+            <a:endParaRPr lang="de-DE" dirty="0"/>
+          </a:p>
+          <a:p>
+            <a:r>
+              <a:rPr lang="de-DE" dirty="0" err="1"/>
+              <a:t>touch</a:t>
+            </a:r>
+            <a:r>
+              <a:rPr lang="de-DE" dirty="0"/>
+              <a:t> (</a:t>
+            </a:r>
+            <a:r>
+              <a:rPr lang="de-DE" dirty="0" err="1"/>
+              <a:t>bool</a:t>
+            </a:r>
+            <a:r>
+              <a:rPr lang="de-DE" dirty="0"/>
+              <a:t>)</a:t>
+            </a:r>
+          </a:p>
+          <a:p>
+            <a:r>
+              <a:rPr lang="de-DE" dirty="0" err="1"/>
+              <a:t>gestureID</a:t>
+            </a:r>
+            <a:endParaRPr lang="de-DE" dirty="0"/>
+          </a:p>
+          <a:p>
+            <a:r>
+              <a:rPr lang="de-DE" dirty="0" err="1"/>
+              <a:t>versionID</a:t>
+            </a:r>
+            <a:endParaRPr lang="de-DE" dirty="0"/>
+          </a:p>
+          <a:p>
+            <a:r>
+              <a:rPr lang="de-DE" dirty="0" err="1"/>
+              <a:t>inputMethod</a:t>
+            </a:r>
+            <a:r>
+              <a:rPr lang="de-DE" dirty="0"/>
+              <a:t> (</a:t>
+            </a:r>
+            <a:r>
+              <a:rPr lang="de-DE" dirty="0" err="1"/>
+              <a:t>finger</a:t>
+            </a:r>
+            <a:r>
+              <a:rPr lang="de-DE" dirty="0"/>
+              <a:t>/</a:t>
+            </a:r>
+            <a:r>
+              <a:rPr lang="de-DE" dirty="0" err="1"/>
+              <a:t>knuckle</a:t>
+            </a:r>
+            <a:r>
+              <a:rPr lang="de-DE" dirty="0"/>
+              <a:t>)</a:t>
+            </a:r>
+          </a:p>
+          <a:p>
+            <a:r>
+              <a:rPr lang="de-DE" dirty="0" err="1"/>
+              <a:t>actualData</a:t>
+            </a:r>
+            <a:r>
+              <a:rPr lang="de-DE" dirty="0"/>
+              <a:t> (</a:t>
+            </a:r>
+            <a:r>
+              <a:rPr lang="de-DE" dirty="0" err="1"/>
+              <a:t>bool</a:t>
+            </a:r>
+            <a:r>
+              <a:rPr lang="de-DE" dirty="0"/>
+              <a:t>)</a:t>
+            </a:r>
+          </a:p>
+          <a:p>
+            <a:r>
+              <a:rPr lang="de-DE" dirty="0" err="1"/>
+              <a:t>capacitiveImage</a:t>
+            </a:r>
+            <a:r>
+              <a:rPr lang="de-DE" dirty="0"/>
+              <a:t> (Matrix)</a:t>
+            </a:r>
+          </a:p>
+          <a:p>
+            <a:endParaRPr lang="de-DE" dirty="0"/>
+          </a:p>
+        </p:txBody>
+      </p:sp>
+      <p:sp>
+        <p:nvSpPr>
+          <p:cNvPr id="3" name="Foliennummernplatzhalter 2">
+            <a:extLst>
+              <a:ext uri="{FF2B5EF4-FFF2-40B4-BE49-F238E27FC236}">
+                <a16:creationId xmlns:a16="http://schemas.microsoft.com/office/drawing/2014/main" id="{8B3BCF54-20D5-45CF-93A9-817629122169}"/>
+              </a:ext>
+            </a:extLst>
+          </p:cNvPr>
+          <p:cNvSpPr>
+            <a:spLocks noGrp="1"/>
+          </p:cNvSpPr>
+          <p:nvPr>
+            <p:ph type="sldNum" sz="quarter" idx="12"/>
+          </p:nvPr>
+        </p:nvSpPr>
+        <p:spPr/>
+        <p:txBody>
+          <a:bodyPr/>
+          <a:lstStyle/>
+          <a:p>
+            <a:fld id="{29AD3987-26BA-49DC-BA24-72731371DC9F}" type="slidenum">
+              <a:rPr lang="de-DE" smtClean="0"/>
+              <a:t>4</a:t>
+            </a:fld>
+            <a:endParaRPr lang="de-DE" dirty="0"/>
+          </a:p>
+        </p:txBody>
+      </p:sp>
+      <p:sp>
+        <p:nvSpPr>
+          <p:cNvPr id="4" name="Titel 3">
+            <a:extLst>
+              <a:ext uri="{FF2B5EF4-FFF2-40B4-BE49-F238E27FC236}">
+                <a16:creationId xmlns:a16="http://schemas.microsoft.com/office/drawing/2014/main" id="{9ECB2824-7796-46C4-97E8-741FB311A3DB}"/>
+              </a:ext>
+            </a:extLst>
+          </p:cNvPr>
+          <p:cNvSpPr>
+            <a:spLocks noGrp="1"/>
+          </p:cNvSpPr>
+          <p:nvPr>
+            <p:ph type="title"/>
+          </p:nvPr>
+        </p:nvSpPr>
+        <p:spPr/>
+        <p:txBody>
+          <a:bodyPr/>
+          <a:lstStyle/>
+          <a:p>
+            <a:r>
+              <a:rPr lang="de-DE" dirty="0"/>
+              <a:t>Data</a:t>
+            </a:r>
+          </a:p>
+        </p:txBody>
+      </p:sp>
+    </p:spTree>
+    <p:extLst>
+      <p:ext uri="{BB962C8B-B14F-4D97-AF65-F5344CB8AC3E}">
+        <p14:creationId xmlns:p14="http://schemas.microsoft.com/office/powerpoint/2010/main" val="3749051229"/>
+      </p:ext>
+    </p:extLst>
+  </p:cSld>
+  <p:clrMapOvr>
+    <a:masterClrMapping/>
+  </p:clrMapOvr>
+</p:sld>
+</file>
+
+<file path=ppt/slides/slide5.xml><?xml version="1.0" encoding="utf-8"?>
+<p:sld xmlns:a="http://schemas.openxmlformats.org/drawingml/2006/main" xmlns:r="http://schemas.openxmlformats.org/officeDocument/2006/relationships" xmlns:p="http://schemas.openxmlformats.org/presentationml/2006/main">
+  <p:cSld>
+    <p:spTree>
+      <p:nvGrpSpPr>
+        <p:cNvPr id="1" name=""/>
+        <p:cNvGrpSpPr/>
+        <p:nvPr/>
+      </p:nvGrpSpPr>
+      <p:grpSpPr>
+        <a:xfrm>
+          <a:off x="0" y="0"/>
+          <a:ext cx="0" cy="0"/>
+          <a:chOff x="0" y="0"/>
+          <a:chExt cx="0" cy="0"/>
+        </a:xfrm>
+      </p:grpSpPr>
+      <p:sp>
+        <p:nvSpPr>
+          <p:cNvPr id="2" name="Inhaltsplatzhalter 1">
+            <a:extLst>
+              <a:ext uri="{FF2B5EF4-FFF2-40B4-BE49-F238E27FC236}">
+                <a16:creationId xmlns:a16="http://schemas.microsoft.com/office/drawing/2014/main" id="{9ED7E8E0-A5CF-4A38-BA35-2285748AA6EA}"/>
+              </a:ext>
+            </a:extLst>
+          </p:cNvPr>
+          <p:cNvSpPr>
+            <a:spLocks noGrp="1"/>
+          </p:cNvSpPr>
+          <p:nvPr>
+            <p:ph idx="1"/>
+          </p:nvPr>
+        </p:nvSpPr>
+        <p:spPr>
+          <a:xfrm>
+            <a:off x="251520" y="1202574"/>
+            <a:ext cx="4032448" cy="3400026"/>
+          </a:xfrm>
+        </p:spPr>
+        <p:txBody>
+          <a:bodyPr/>
+          <a:lstStyle/>
+          <a:p>
+            <a:r>
+              <a:rPr lang="en-US" dirty="0"/>
+              <a:t>1. Press (1s)</a:t>
+            </a:r>
+          </a:p>
+          <a:p>
+            <a:r>
+              <a:rPr lang="en-US" dirty="0"/>
+              <a:t>2-5. swipe all directions </a:t>
+            </a:r>
+          </a:p>
+          <a:p>
+            <a:r>
+              <a:rPr lang="en-US" dirty="0"/>
+              <a:t>6-7. 2 Finger swipe</a:t>
+            </a:r>
+          </a:p>
+          <a:p>
+            <a:r>
+              <a:rPr lang="en-US" dirty="0"/>
+              <a:t>8. Circle</a:t>
+            </a:r>
+          </a:p>
+          <a:p>
+            <a:r>
+              <a:rPr lang="en-US" dirty="0"/>
+              <a:t>9-10. Arrowhead left right</a:t>
+            </a:r>
+          </a:p>
+          <a:p>
+            <a:r>
+              <a:rPr lang="en-US" dirty="0"/>
+              <a:t>11-12: “L” and mirrored</a:t>
+            </a:r>
+          </a:p>
+          <a:p>
+            <a:r>
+              <a:rPr lang="en-US" dirty="0"/>
+              <a:t>13. Check mark</a:t>
+            </a:r>
+          </a:p>
+          <a:p>
+            <a:r>
+              <a:rPr lang="de-DE" dirty="0"/>
+              <a:t>14. „S“ </a:t>
+            </a:r>
+          </a:p>
+          <a:p>
+            <a:r>
+              <a:rPr lang="de-DE" dirty="0"/>
+              <a:t>15. Press and </a:t>
+            </a:r>
+            <a:r>
+              <a:rPr lang="de-DE" dirty="0" err="1"/>
+              <a:t>rotate</a:t>
+            </a:r>
+            <a:endParaRPr lang="de-DE" dirty="0"/>
+          </a:p>
+          <a:p>
+            <a:endParaRPr lang="de-DE" dirty="0"/>
+          </a:p>
+          <a:p>
+            <a:endParaRPr lang="de-DE" dirty="0"/>
+          </a:p>
+        </p:txBody>
+      </p:sp>
+      <p:sp>
+        <p:nvSpPr>
+          <p:cNvPr id="3" name="Foliennummernplatzhalter 2">
+            <a:extLst>
+              <a:ext uri="{FF2B5EF4-FFF2-40B4-BE49-F238E27FC236}">
+                <a16:creationId xmlns:a16="http://schemas.microsoft.com/office/drawing/2014/main" id="{FC81013B-28E3-4A3C-AF51-78943454347F}"/>
+              </a:ext>
+            </a:extLst>
+          </p:cNvPr>
+          <p:cNvSpPr>
+            <a:spLocks noGrp="1"/>
+          </p:cNvSpPr>
+          <p:nvPr>
+            <p:ph type="sldNum" sz="quarter" idx="12"/>
+          </p:nvPr>
+        </p:nvSpPr>
+        <p:spPr/>
+        <p:txBody>
+          <a:bodyPr/>
+          <a:lstStyle/>
+          <a:p>
+            <a:fld id="{29AD3987-26BA-49DC-BA24-72731371DC9F}" type="slidenum">
+              <a:rPr lang="de-DE" smtClean="0"/>
+              <a:t>5</a:t>
+            </a:fld>
+            <a:endParaRPr lang="de-DE" dirty="0"/>
+          </a:p>
+        </p:txBody>
+      </p:sp>
+      <p:sp>
+        <p:nvSpPr>
+          <p:cNvPr id="4" name="Titel 3">
+            <a:extLst>
+              <a:ext uri="{FF2B5EF4-FFF2-40B4-BE49-F238E27FC236}">
+                <a16:creationId xmlns:a16="http://schemas.microsoft.com/office/drawing/2014/main" id="{058E4742-88E4-4C8C-B6D9-6537EAD650CA}"/>
+              </a:ext>
+            </a:extLst>
+          </p:cNvPr>
+          <p:cNvSpPr>
+            <a:spLocks noGrp="1"/>
+          </p:cNvSpPr>
+          <p:nvPr>
+            <p:ph type="title"/>
+          </p:nvPr>
+        </p:nvSpPr>
+        <p:spPr/>
+        <p:txBody>
+          <a:bodyPr/>
+          <a:lstStyle/>
+          <a:p>
+            <a:r>
+              <a:rPr lang="de-DE" dirty="0" err="1"/>
+              <a:t>Gestures</a:t>
+            </a:r>
+            <a:r>
+              <a:rPr lang="de-DE" dirty="0"/>
+              <a:t>	</a:t>
+            </a:r>
+          </a:p>
+        </p:txBody>
+      </p:sp>
       <p:sp>
         <p:nvSpPr>
           <p:cNvPr id="5" name="Inhaltsplatzhalter 1">
             <a:extLst>
               <a:ext uri="{FF2B5EF4-FFF2-40B4-BE49-F238E27FC236}">
-                <a16:creationId xmlns:a16="http://schemas.microsoft.com/office/drawing/2014/main" id="{0B924443-9B3B-4A80-A9C1-435E141744D8}"/>
+                <a16:creationId xmlns:a16="http://schemas.microsoft.com/office/drawing/2014/main" id="{FB65B59E-821E-4E79-8E1A-6B906180AC35}"/>
               </a:ext>
             </a:extLst>
           </p:cNvPr>
@@ -2934,8 +3393,8 @@
         </p:nvSpPr>
         <p:spPr>
           <a:xfrm>
-            <a:off x="4536327" y="1201139"/>
-            <a:ext cx="4320480" cy="3400026"/>
+            <a:off x="4067944" y="1187948"/>
+            <a:ext cx="4032448" cy="3400026"/>
           </a:xfrm>
           <a:prstGeom prst="rect">
             <a:avLst/>
@@ -3099,21 +3558,73 @@
           </a:lstStyle>
           <a:p>
             <a:r>
-              <a:rPr lang="de-DE" dirty="0"/>
-              <a:t>Screenshot </a:t>
-            </a:r>
+              <a:rPr lang="en-US" dirty="0"/>
+              <a:t>“Right-click”</a:t>
+            </a:r>
+          </a:p>
+          <a:p>
+            <a:r>
+              <a:rPr lang="en-US" dirty="0"/>
+              <a:t>Turn 3D object</a:t>
+            </a:r>
+          </a:p>
+          <a:p>
+            <a:r>
+              <a:rPr lang="en-US" dirty="0"/>
+              <a:t>Next browser tab</a:t>
+            </a:r>
+          </a:p>
+          <a:p>
+            <a:r>
+              <a:rPr lang="en-US" dirty="0"/>
+              <a:t>Open camera (or other app)</a:t>
+            </a:r>
+          </a:p>
+          <a:p>
+            <a:r>
+              <a:rPr lang="en-US" dirty="0"/>
+              <a:t>Switch between apps</a:t>
+            </a:r>
+          </a:p>
+          <a:p>
+            <a:r>
+              <a:rPr lang="en-US" dirty="0"/>
+              <a:t>Open flashlight</a:t>
+            </a:r>
+          </a:p>
+          <a:p>
             <a:r>
               <a:rPr lang="de-DE" dirty="0" err="1"/>
-              <a:t>TaskView</a:t>
+              <a:t>Confirm</a:t>
+            </a:r>
+            <a:r>
+              <a:rPr lang="de-DE" dirty="0"/>
+              <a:t> </a:t>
+            </a:r>
+            <a:r>
+              <a:rPr lang="de-DE" dirty="0" err="1"/>
+              <a:t>input</a:t>
             </a:r>
             <a:endParaRPr lang="de-DE" dirty="0"/>
+          </a:p>
+          <a:p>
+            <a:r>
+              <a:rPr lang="de-DE" dirty="0"/>
+              <a:t>Screenshot</a:t>
+            </a:r>
+          </a:p>
+          <a:p>
+            <a:r>
+              <a:rPr lang="de-DE" dirty="0"/>
+              <a:t>Volume</a:t>
+            </a:r>
           </a:p>
         </p:txBody>
       </p:sp>
     </p:spTree>
     <p:extLst>
       <p:ext uri="{BB962C8B-B14F-4D97-AF65-F5344CB8AC3E}">
-        <p14:creationId xmlns:p14="http://schemas.microsoft.com/office/powerpoint/2010/main" val="2822122713"/>
+        <p14:creationId xmlns:p14="http://schemas.microsoft.com/office/powerpoint/2010/main" val="2269189819"/>
       </p:ext>
     </p:extLst>
   </p:cSld>
@@ -3123,7 +3634,7 @@
 </p:sld>
 </file>
 
-<file path=ppt/slides/slide4.xml><?xml version="1.0" encoding="utf-8"?>
+<file path=ppt/slides/slide6.xml><?xml version="1.0" encoding="utf-8"?>
 <p:sld xmlns:a="http://schemas.openxmlformats.org/drawingml/2006/main" xmlns:r="http://schemas.openxmlformats.org/officeDocument/2006/relationships" xmlns:p="http://schemas.openxmlformats.org/presentationml/2006/main">
   <p:cSld>
     <p:spTree>
@@ -3145,205 +3656,6 @@
           <p:cNvPr id="2" name="Inhaltsplatzhalter 1">
             <a:extLst>
               <a:ext uri="{FF2B5EF4-FFF2-40B4-BE49-F238E27FC236}">
-                <a16:creationId xmlns:a16="http://schemas.microsoft.com/office/drawing/2014/main" id="{910FE5BE-290F-4812-BEC3-553F1E2B64E5}"/>
-              </a:ext>
-            </a:extLst>
-          </p:cNvPr>
-          <p:cNvSpPr>
-            <a:spLocks noGrp="1"/>
-          </p:cNvSpPr>
-          <p:nvPr>
-            <p:ph idx="1"/>
-          </p:nvPr>
-        </p:nvSpPr>
-        <p:spPr/>
-        <p:txBody>
-          <a:bodyPr/>
-          <a:lstStyle/>
-          <a:p>
-            <a:r>
-              <a:rPr lang="de-DE" dirty="0" err="1"/>
-              <a:t>userID</a:t>
-            </a:r>
-            <a:r>
-              <a:rPr lang="de-DE" dirty="0"/>
-              <a:t>, </a:t>
-            </a:r>
-            <a:r>
-              <a:rPr lang="de-DE" dirty="0" err="1"/>
-              <a:t>timestamp</a:t>
-            </a:r>
-            <a:r>
-              <a:rPr lang="de-DE" dirty="0"/>
-              <a:t>, </a:t>
-            </a:r>
-            <a:r>
-              <a:rPr lang="de-DE" dirty="0" err="1"/>
-              <a:t>touch</a:t>
-            </a:r>
-            <a:r>
-              <a:rPr lang="de-DE" dirty="0"/>
-              <a:t>(</a:t>
-            </a:r>
-            <a:r>
-              <a:rPr lang="de-DE" dirty="0" err="1"/>
-              <a:t>bool</a:t>
-            </a:r>
-            <a:r>
-              <a:rPr lang="de-DE" dirty="0"/>
-              <a:t>), </a:t>
-            </a:r>
-            <a:r>
-              <a:rPr lang="de-DE" dirty="0" err="1"/>
-              <a:t>GestureID</a:t>
-            </a:r>
-            <a:r>
-              <a:rPr lang="de-DE" dirty="0"/>
-              <a:t>, </a:t>
-            </a:r>
-            <a:r>
-              <a:rPr lang="de-DE" dirty="0" err="1"/>
-              <a:t>VersionID</a:t>
-            </a:r>
-            <a:r>
-              <a:rPr lang="de-DE" dirty="0"/>
-              <a:t>, </a:t>
-            </a:r>
-            <a:r>
-              <a:rPr lang="de-DE" dirty="0" err="1"/>
-              <a:t>finger</a:t>
-            </a:r>
-            <a:r>
-              <a:rPr lang="de-DE" dirty="0"/>
-              <a:t>/</a:t>
-            </a:r>
-            <a:r>
-              <a:rPr lang="de-DE" dirty="0" err="1"/>
-              <a:t>knuckle</a:t>
-            </a:r>
-            <a:r>
-              <a:rPr lang="de-DE" dirty="0"/>
-              <a:t>, </a:t>
-            </a:r>
-            <a:r>
-              <a:rPr lang="de-DE" dirty="0" err="1"/>
-              <a:t>actualData</a:t>
-            </a:r>
-            <a:r>
-              <a:rPr lang="de-DE" dirty="0"/>
-              <a:t>(</a:t>
-            </a:r>
-            <a:r>
-              <a:rPr lang="de-DE" dirty="0" err="1"/>
-              <a:t>bool</a:t>
-            </a:r>
-            <a:r>
-              <a:rPr lang="de-DE" dirty="0"/>
-              <a:t>), </a:t>
-            </a:r>
-            <a:r>
-              <a:rPr lang="de-DE" dirty="0" err="1"/>
-              <a:t>matrix</a:t>
-            </a:r>
-            <a:endParaRPr lang="de-DE" dirty="0"/>
-          </a:p>
-          <a:p>
-            <a:endParaRPr lang="de-DE" dirty="0"/>
-          </a:p>
-        </p:txBody>
-      </p:sp>
-      <p:sp>
-        <p:nvSpPr>
-          <p:cNvPr id="3" name="Foliennummernplatzhalter 2">
-            <a:extLst>
-              <a:ext uri="{FF2B5EF4-FFF2-40B4-BE49-F238E27FC236}">
-                <a16:creationId xmlns:a16="http://schemas.microsoft.com/office/drawing/2014/main" id="{8B3BCF54-20D5-45CF-93A9-817629122169}"/>
-              </a:ext>
-            </a:extLst>
-          </p:cNvPr>
-          <p:cNvSpPr>
-            <a:spLocks noGrp="1"/>
-          </p:cNvSpPr>
-          <p:nvPr>
-            <p:ph type="sldNum" sz="quarter" idx="12"/>
-          </p:nvPr>
-        </p:nvSpPr>
-        <p:spPr/>
-        <p:txBody>
-          <a:bodyPr/>
-          <a:lstStyle/>
-          <a:p>
-            <a:fld id="{29AD3987-26BA-49DC-BA24-72731371DC9F}" type="slidenum">
-              <a:rPr lang="de-DE" smtClean="0"/>
-              <a:t>4</a:t>
-            </a:fld>
-            <a:endParaRPr lang="de-DE" dirty="0"/>
-          </a:p>
-        </p:txBody>
-      </p:sp>
-      <p:sp>
-        <p:nvSpPr>
-          <p:cNvPr id="4" name="Titel 3">
-            <a:extLst>
-              <a:ext uri="{FF2B5EF4-FFF2-40B4-BE49-F238E27FC236}">
-                <a16:creationId xmlns:a16="http://schemas.microsoft.com/office/drawing/2014/main" id="{9ECB2824-7796-46C4-97E8-741FB311A3DB}"/>
-              </a:ext>
-            </a:extLst>
-          </p:cNvPr>
-          <p:cNvSpPr>
-            <a:spLocks noGrp="1"/>
-          </p:cNvSpPr>
-          <p:nvPr>
-            <p:ph type="title"/>
-          </p:nvPr>
-        </p:nvSpPr>
-        <p:spPr/>
-        <p:txBody>
-          <a:bodyPr/>
-          <a:lstStyle/>
-          <a:p>
-            <a:r>
-              <a:rPr lang="de-DE" dirty="0"/>
-              <a:t>Data</a:t>
-            </a:r>
-          </a:p>
-        </p:txBody>
-      </p:sp>
-    </p:spTree>
-    <p:extLst>
-      <p:ext uri="{BB962C8B-B14F-4D97-AF65-F5344CB8AC3E}">
-        <p14:creationId xmlns:p14="http://schemas.microsoft.com/office/powerpoint/2010/main" val="3749051229"/>
-      </p:ext>
-    </p:extLst>
-  </p:cSld>
-  <p:clrMapOvr>
-    <a:masterClrMapping/>
-  </p:clrMapOvr>
-</p:sld>
-</file>
-
-<file path=ppt/slides/slide5.xml><?xml version="1.0" encoding="utf-8"?>
-<p:sld xmlns:a="http://schemas.openxmlformats.org/drawingml/2006/main" xmlns:r="http://schemas.openxmlformats.org/officeDocument/2006/relationships" xmlns:p="http://schemas.openxmlformats.org/presentationml/2006/main">
-  <p:cSld>
-    <p:spTree>
-      <p:nvGrpSpPr>
-        <p:cNvPr id="1" name=""/>
-        <p:cNvGrpSpPr/>
-        <p:nvPr/>
-      </p:nvGrpSpPr>
-      <p:grpSpPr>
-        <a:xfrm>
-          <a:off x="0" y="0"/>
-          <a:ext cx="0" cy="0"/>
-          <a:chOff x="0" y="0"/>
-          <a:chExt cx="0" cy="0"/>
-        </a:xfrm>
-      </p:grpSpPr>
-      <p:sp>
-        <p:nvSpPr>
-          <p:cNvPr id="2" name="Inhaltsplatzhalter 1">
-            <a:extLst>
-              <a:ext uri="{FF2B5EF4-FFF2-40B4-BE49-F238E27FC236}">
                 <a16:creationId xmlns:a16="http://schemas.microsoft.com/office/drawing/2014/main" id="{CA0569F6-A2D7-4233-8C63-2D759D9AD186}"/>
               </a:ext>
             </a:extLst>
@@ -3355,7 +3667,12 @@
             <p:ph idx="1"/>
           </p:nvPr>
         </p:nvSpPr>
-        <p:spPr/>
+        <p:spPr>
+          <a:xfrm>
+            <a:off x="251520" y="1202574"/>
+            <a:ext cx="8640960" cy="1225160"/>
+          </a:xfrm>
+        </p:spPr>
         <p:txBody>
           <a:bodyPr/>
           <a:lstStyle/>
@@ -3413,6 +3730,15 @@
               <a:rPr lang="de-DE" dirty="0" err="1"/>
               <a:t>study</a:t>
             </a:r>
+            <a:endParaRPr lang="de-DE" dirty="0"/>
+          </a:p>
+          <a:p>
+            <a:endParaRPr lang="de-DE" dirty="0"/>
+          </a:p>
+          <a:p>
+            <a:endParaRPr lang="de-DE" dirty="0"/>
+          </a:p>
+          <a:p>
             <a:endParaRPr lang="de-DE" dirty="0"/>
           </a:p>
           <a:p>
@@ -3443,7 +3769,7 @@
           <a:p>
             <a:fld id="{29AD3987-26BA-49DC-BA24-72731371DC9F}" type="slidenum">
               <a:rPr lang="de-DE" smtClean="0"/>
-              <a:t>5</a:t>
+              <a:t>6</a:t>
             </a:fld>
             <a:endParaRPr lang="de-DE" dirty="0"/>
           </a:p>
@@ -3478,6 +3804,259 @@
               <a:rPr lang="de-DE" dirty="0"/>
               <a:t> </a:t>
             </a:r>
+          </a:p>
+        </p:txBody>
+      </p:sp>
+      <p:sp>
+        <p:nvSpPr>
+          <p:cNvPr id="5" name="Titel 3">
+            <a:extLst>
+              <a:ext uri="{FF2B5EF4-FFF2-40B4-BE49-F238E27FC236}">
+                <a16:creationId xmlns:a16="http://schemas.microsoft.com/office/drawing/2014/main" id="{50C16FA2-53AC-4BAC-9909-D3B7C72515D3}"/>
+              </a:ext>
+            </a:extLst>
+          </p:cNvPr>
+          <p:cNvSpPr txBox="1">
+            <a:spLocks/>
+          </p:cNvSpPr>
+          <p:nvPr/>
+        </p:nvSpPr>
+        <p:spPr>
+          <a:xfrm>
+            <a:off x="251520" y="2355726"/>
+            <a:ext cx="8641006" cy="820625"/>
+          </a:xfrm>
+          <a:prstGeom prst="rect">
+            <a:avLst/>
+          </a:prstGeom>
+        </p:spPr>
+        <p:txBody>
+          <a:bodyPr vert="horz" lIns="91440" tIns="45720" rIns="91440" bIns="45720" rtlCol="0" anchor="ctr" anchorCtr="0">
+            <a:noAutofit/>
+          </a:bodyPr>
+          <a:lstStyle>
+            <a:lvl1pPr algn="l" defTabSz="914400" rtl="0" eaLnBrk="1" latinLnBrk="0" hangingPunct="1">
+              <a:spcBef>
+                <a:spcPct val="0"/>
+              </a:spcBef>
+              <a:buNone/>
+              <a:defRPr lang="de-DE" sz="3600" kern="1200">
+                <a:solidFill>
+                  <a:srgbClr val="137CBE"/>
+                </a:solidFill>
+                <a:latin typeface="+mj-lt"/>
+                <a:ea typeface="+mj-ea"/>
+                <a:cs typeface="+mj-cs"/>
+              </a:defRPr>
+            </a:lvl1pPr>
+          </a:lstStyle>
+          <a:p>
+            <a:r>
+              <a:rPr lang="de-DE" dirty="0"/>
+              <a:t>Questions </a:t>
+            </a:r>
+          </a:p>
+        </p:txBody>
+      </p:sp>
+      <p:sp>
+        <p:nvSpPr>
+          <p:cNvPr id="6" name="Inhaltsplatzhalter 1">
+            <a:extLst>
+              <a:ext uri="{FF2B5EF4-FFF2-40B4-BE49-F238E27FC236}">
+                <a16:creationId xmlns:a16="http://schemas.microsoft.com/office/drawing/2014/main" id="{13C6C64C-6B71-442C-BCCB-A12123119CE5}"/>
+              </a:ext>
+            </a:extLst>
+          </p:cNvPr>
+          <p:cNvSpPr txBox="1">
+            <a:spLocks/>
+          </p:cNvSpPr>
+          <p:nvPr/>
+        </p:nvSpPr>
+        <p:spPr>
+          <a:xfrm>
+            <a:off x="251520" y="3157331"/>
+            <a:ext cx="8640960" cy="1225160"/>
+          </a:xfrm>
+          <a:prstGeom prst="rect">
+            <a:avLst/>
+          </a:prstGeom>
+        </p:spPr>
+        <p:txBody>
+          <a:bodyPr vert="horz" lIns="91440" tIns="45720" rIns="91440" bIns="45720" rtlCol="0">
+            <a:normAutofit/>
+          </a:bodyPr>
+          <a:lstStyle>
+            <a:lvl1pPr marL="342900" indent="-342900" algn="l" defTabSz="914400" rtl="0" eaLnBrk="1" latinLnBrk="0" hangingPunct="1">
+              <a:spcBef>
+                <a:spcPct val="20000"/>
+              </a:spcBef>
+              <a:buClr>
+                <a:srgbClr val="137CBE"/>
+              </a:buClr>
+              <a:buFont typeface="Wingdings" pitchFamily="2" charset="2"/>
+              <a:buChar char="§"/>
+              <a:defRPr sz="2000" kern="1200">
+                <a:solidFill>
+                  <a:schemeClr val="tx1"/>
+                </a:solidFill>
+                <a:latin typeface="+mn-lt"/>
+                <a:ea typeface="Segoe UI" pitchFamily="34" charset="0"/>
+                <a:cs typeface="Segoe UI" pitchFamily="34" charset="0"/>
+              </a:defRPr>
+            </a:lvl1pPr>
+            <a:lvl2pPr marL="742950" indent="-285750" algn="l" defTabSz="914400" rtl="0" eaLnBrk="1" latinLnBrk="0" hangingPunct="1">
+              <a:spcBef>
+                <a:spcPct val="20000"/>
+              </a:spcBef>
+              <a:buClr>
+                <a:srgbClr val="137CBE"/>
+              </a:buClr>
+              <a:buFont typeface="Wingdings" pitchFamily="2" charset="2"/>
+              <a:buChar char="§"/>
+              <a:defRPr sz="1800" kern="1200">
+                <a:solidFill>
+                  <a:schemeClr val="tx1"/>
+                </a:solidFill>
+                <a:latin typeface="+mn-lt"/>
+                <a:ea typeface="Segoe UI" pitchFamily="34" charset="0"/>
+                <a:cs typeface="Segoe UI" pitchFamily="34" charset="0"/>
+              </a:defRPr>
+            </a:lvl2pPr>
+            <a:lvl3pPr marL="1143000" indent="-228600" algn="l" defTabSz="914400" rtl="0" eaLnBrk="1" latinLnBrk="0" hangingPunct="1">
+              <a:spcBef>
+                <a:spcPct val="20000"/>
+              </a:spcBef>
+              <a:buClr>
+                <a:srgbClr val="137CBE"/>
+              </a:buClr>
+              <a:buFont typeface="Wingdings" pitchFamily="2" charset="2"/>
+              <a:buChar char="§"/>
+              <a:defRPr sz="1600" kern="1200">
+                <a:solidFill>
+                  <a:schemeClr val="tx1"/>
+                </a:solidFill>
+                <a:latin typeface="+mn-lt"/>
+                <a:ea typeface="Segoe UI" pitchFamily="34" charset="0"/>
+                <a:cs typeface="Segoe UI" pitchFamily="34" charset="0"/>
+              </a:defRPr>
+            </a:lvl3pPr>
+            <a:lvl4pPr marL="1600200" indent="-228600" algn="l" defTabSz="914400" rtl="0" eaLnBrk="1" latinLnBrk="0" hangingPunct="1">
+              <a:spcBef>
+                <a:spcPct val="20000"/>
+              </a:spcBef>
+              <a:buClr>
+                <a:srgbClr val="137CBE"/>
+              </a:buClr>
+              <a:buFont typeface="Wingdings" pitchFamily="2" charset="2"/>
+              <a:buChar char="§"/>
+              <a:defRPr sz="1400" kern="1200">
+                <a:solidFill>
+                  <a:schemeClr val="tx1"/>
+                </a:solidFill>
+                <a:latin typeface="+mn-lt"/>
+                <a:ea typeface="Segoe UI" pitchFamily="34" charset="0"/>
+                <a:cs typeface="Segoe UI" pitchFamily="34" charset="0"/>
+              </a:defRPr>
+            </a:lvl4pPr>
+            <a:lvl5pPr marL="2057400" indent="-228600" algn="l" defTabSz="914400" rtl="0" eaLnBrk="1" latinLnBrk="0" hangingPunct="1">
+              <a:spcBef>
+                <a:spcPct val="20000"/>
+              </a:spcBef>
+              <a:buClr>
+                <a:srgbClr val="137CBE"/>
+              </a:buClr>
+              <a:buFont typeface="Wingdings" pitchFamily="2" charset="2"/>
+              <a:buChar char="§"/>
+              <a:defRPr sz="1400" kern="1200">
+                <a:solidFill>
+                  <a:schemeClr val="tx1"/>
+                </a:solidFill>
+                <a:latin typeface="+mn-lt"/>
+                <a:ea typeface="Segoe UI" pitchFamily="34" charset="0"/>
+                <a:cs typeface="Segoe UI" pitchFamily="34" charset="0"/>
+              </a:defRPr>
+            </a:lvl5pPr>
+            <a:lvl6pPr marL="2514600" indent="-228600" algn="l" defTabSz="914400" rtl="0" eaLnBrk="1" latinLnBrk="0" hangingPunct="1">
+              <a:spcBef>
+                <a:spcPct val="20000"/>
+              </a:spcBef>
+              <a:buFont typeface="Arial" pitchFamily="34" charset="0"/>
+              <a:buChar char="•"/>
+              <a:defRPr sz="2000" kern="1200">
+                <a:solidFill>
+                  <a:schemeClr val="tx1"/>
+                </a:solidFill>
+                <a:latin typeface="+mn-lt"/>
+                <a:ea typeface="+mn-ea"/>
+                <a:cs typeface="+mn-cs"/>
+              </a:defRPr>
+            </a:lvl6pPr>
+            <a:lvl7pPr marL="2971800" indent="-228600" algn="l" defTabSz="914400" rtl="0" eaLnBrk="1" latinLnBrk="0" hangingPunct="1">
+              <a:spcBef>
+                <a:spcPct val="20000"/>
+              </a:spcBef>
+              <a:buFont typeface="Arial" pitchFamily="34" charset="0"/>
+              <a:buChar char="•"/>
+              <a:defRPr sz="2000" kern="1200">
+                <a:solidFill>
+                  <a:schemeClr val="tx1"/>
+                </a:solidFill>
+                <a:latin typeface="+mn-lt"/>
+                <a:ea typeface="+mn-ea"/>
+                <a:cs typeface="+mn-cs"/>
+              </a:defRPr>
+            </a:lvl7pPr>
+            <a:lvl8pPr marL="3429000" indent="-228600" algn="l" defTabSz="914400" rtl="0" eaLnBrk="1" latinLnBrk="0" hangingPunct="1">
+              <a:spcBef>
+                <a:spcPct val="20000"/>
+              </a:spcBef>
+              <a:buFont typeface="Arial" pitchFamily="34" charset="0"/>
+              <a:buChar char="•"/>
+              <a:defRPr sz="2000" kern="1200">
+                <a:solidFill>
+                  <a:schemeClr val="tx1"/>
+                </a:solidFill>
+                <a:latin typeface="+mn-lt"/>
+                <a:ea typeface="+mn-ea"/>
+                <a:cs typeface="+mn-cs"/>
+              </a:defRPr>
+            </a:lvl8pPr>
+            <a:lvl9pPr marL="3886200" indent="-228600" algn="l" defTabSz="914400" rtl="0" eaLnBrk="1" latinLnBrk="0" hangingPunct="1">
+              <a:spcBef>
+                <a:spcPct val="20000"/>
+              </a:spcBef>
+              <a:buFont typeface="Arial" pitchFamily="34" charset="0"/>
+              <a:buChar char="•"/>
+              <a:defRPr sz="2000" kern="1200">
+                <a:solidFill>
+                  <a:schemeClr val="tx1"/>
+                </a:solidFill>
+                <a:latin typeface="+mn-lt"/>
+                <a:ea typeface="+mn-ea"/>
+                <a:cs typeface="+mn-cs"/>
+              </a:defRPr>
+            </a:lvl9pPr>
+          </a:lstStyle>
+          <a:p>
+            <a:r>
+              <a:rPr lang="en-US" dirty="0"/>
+              <a:t>Data acquisition to slow </a:t>
+            </a:r>
+          </a:p>
+          <a:p>
+            <a:r>
+              <a:rPr lang="en-US" dirty="0"/>
+              <a:t>Hide images when user starts gesture?</a:t>
+            </a:r>
+          </a:p>
+          <a:p>
+            <a:endParaRPr lang="en-US" dirty="0"/>
+          </a:p>
+          <a:p>
+            <a:endParaRPr lang="en-US" dirty="0"/>
+          </a:p>
+          <a:p>
+            <a:endParaRPr lang="en-US" dirty="0"/>
           </a:p>
         </p:txBody>
       </p:sp>
